--- a/slides/clp-aula-16-funcional-haskell/programacao funcional_haskell.pptx
+++ b/slides/clp-aula-16-funcional-haskell/programacao funcional_haskell.pptx
@@ -15168,7 +15168,7 @@
                 <a:latin typeface="Courier New" pitchFamily="49" charset="0"/>
                 <a:cs typeface="Courier New" pitchFamily="49" charset="0"/>
               </a:rPr>
-              <a:t>triangle</a:t>
+              <a:t>triangMat</a:t>
             </a:r>
             <a:r>
               <a:rPr lang="pt-BR" sz="2000" dirty="0">
@@ -15229,7 +15229,7 @@
                 <a:latin typeface="Courier New" pitchFamily="49" charset="0"/>
                 <a:cs typeface="Courier New" pitchFamily="49" charset="0"/>
               </a:rPr>
-              <a:t>triangle</a:t>
+              <a:t>triangMat</a:t>
             </a:r>
             <a:r>
               <a:rPr lang="pt-BR" sz="2000" dirty="0">
@@ -15248,7 +15248,7 @@
                 <a:latin typeface="Courier New" pitchFamily="49" charset="0"/>
                 <a:cs typeface="Courier New" pitchFamily="49" charset="0"/>
               </a:rPr>
-              <a:t>triangle</a:t>
+              <a:t>triangMat</a:t>
             </a:r>
             <a:r>
               <a:rPr lang="pt-BR" sz="2000" dirty="0">
